--- a/docs/Fast Production Core Banking.pptx
+++ b/docs/Fast Production Core Banking.pptx
@@ -7295,6 +7295,170 @@
           </a:p>
         </p:txBody>
       </p:sp>
+      <p:sp>
+        <p:nvSpPr>
+          <p:cNvPr id="4" name="TextBox 3">
+            <a:extLst>
+              <a:ext uri="{FF2B5EF4-FFF2-40B4-BE49-F238E27FC236}">
+                <a16:creationId xmlns:a16="http://schemas.microsoft.com/office/drawing/2014/main" id="{2BDA8CC9-739B-4F8A-B820-CBCC4DB0B08A}"/>
+              </a:ext>
+            </a:extLst>
+          </p:cNvPr>
+          <p:cNvSpPr txBox="1"/>
+          <p:nvPr/>
+        </p:nvSpPr>
+        <p:spPr>
+          <a:xfrm>
+            <a:off x="5201195" y="365125"/>
+            <a:ext cx="5815148" cy="646331"/>
+          </a:xfrm>
+          <a:prstGeom prst="rect">
+            <a:avLst/>
+          </a:prstGeom>
+          <a:noFill/>
+        </p:spPr>
+        <p:txBody>
+          <a:bodyPr wrap="square" rtlCol="0">
+            <a:spAutoFit/>
+          </a:bodyPr>
+          <a:lstStyle/>
+          <a:p>
+            <a:r>
+              <a:rPr lang="en-US" dirty="0"/>
+              <a:t>Khi </a:t>
+            </a:r>
+            <a:r>
+              <a:rPr lang="en-US" dirty="0" err="1"/>
+              <a:t>không</a:t>
+            </a:r>
+            <a:r>
+              <a:rPr lang="en-US" dirty="0"/>
+              <a:t> </a:t>
+            </a:r>
+            <a:r>
+              <a:rPr lang="en-US" dirty="0" err="1"/>
+              <a:t>biết</a:t>
+            </a:r>
+            <a:r>
+              <a:rPr lang="en-US" dirty="0"/>
+              <a:t> </a:t>
+            </a:r>
+            <a:r>
+              <a:rPr lang="en-US" dirty="0" err="1"/>
+              <a:t>bắt</a:t>
+            </a:r>
+            <a:r>
+              <a:rPr lang="en-US" dirty="0"/>
+              <a:t> </a:t>
+            </a:r>
+            <a:r>
+              <a:rPr lang="en-US" dirty="0" err="1"/>
+              <a:t>đầu</a:t>
+            </a:r>
+            <a:r>
+              <a:rPr lang="en-US" dirty="0"/>
+              <a:t> </a:t>
+            </a:r>
+            <a:r>
+              <a:rPr lang="en-US" dirty="0" err="1"/>
+              <a:t>từ</a:t>
+            </a:r>
+            <a:r>
+              <a:rPr lang="en-US" dirty="0"/>
+              <a:t> </a:t>
+            </a:r>
+            <a:r>
+              <a:rPr lang="en-US" dirty="0" err="1"/>
+              <a:t>đâu</a:t>
+            </a:r>
+            <a:r>
+              <a:rPr lang="en-US" dirty="0"/>
+              <a:t>, </a:t>
+            </a:r>
+            <a:r>
+              <a:rPr lang="en-US" dirty="0" err="1"/>
+              <a:t>thì</a:t>
+            </a:r>
+            <a:r>
+              <a:rPr lang="en-US" dirty="0"/>
+              <a:t> </a:t>
+            </a:r>
+            <a:r>
+              <a:rPr lang="en-US" dirty="0" err="1"/>
+              <a:t>bắt</a:t>
+            </a:r>
+            <a:r>
+              <a:rPr lang="en-US" dirty="0"/>
+              <a:t> </a:t>
+            </a:r>
+            <a:r>
+              <a:rPr lang="en-US" dirty="0" err="1"/>
+              <a:t>đầu</a:t>
+            </a:r>
+            <a:r>
+              <a:rPr lang="en-US" dirty="0"/>
+              <a:t> </a:t>
+            </a:r>
+            <a:r>
+              <a:rPr lang="en-US" dirty="0" err="1"/>
+              <a:t>bằng</a:t>
+            </a:r>
+            <a:r>
+              <a:rPr lang="en-US" dirty="0"/>
+              <a:t> </a:t>
+            </a:r>
+            <a:r>
+              <a:rPr lang="en-US" dirty="0" err="1"/>
+              <a:t>các</a:t>
+            </a:r>
+            <a:r>
+              <a:rPr lang="en-US" dirty="0"/>
+              <a:t> features </a:t>
+            </a:r>
+            <a:r>
+              <a:rPr lang="en-US" dirty="0" err="1"/>
+              <a:t>người</a:t>
+            </a:r>
+            <a:r>
+              <a:rPr lang="en-US" dirty="0"/>
+              <a:t> </a:t>
+            </a:r>
+            <a:r>
+              <a:rPr lang="en-US" dirty="0" err="1"/>
+              <a:t>dùng</a:t>
+            </a:r>
+            <a:r>
+              <a:rPr lang="en-US" dirty="0"/>
+              <a:t> </a:t>
+            </a:r>
+            <a:r>
+              <a:rPr lang="en-US" dirty="0" err="1"/>
+              <a:t>cần</a:t>
+            </a:r>
+            <a:r>
+              <a:rPr lang="en-US" dirty="0"/>
+              <a:t>, </a:t>
+            </a:r>
+            <a:r>
+              <a:rPr lang="en-US" dirty="0" err="1"/>
+              <a:t>để</a:t>
+            </a:r>
+            <a:r>
+              <a:rPr lang="en-US" dirty="0"/>
+              <a:t> </a:t>
+            </a:r>
+            <a:r>
+              <a:rPr lang="en-US" dirty="0" err="1"/>
+              <a:t>viết</a:t>
+            </a:r>
+            <a:r>
+              <a:rPr lang="en-US"/>
+              <a:t> commands</a:t>
+            </a:r>
+            <a:endParaRPr lang="en-US" dirty="0"/>
+          </a:p>
+        </p:txBody>
+      </p:sp>
     </p:spTree>
     <p:extLst>
       <p:ext uri="{BB962C8B-B14F-4D97-AF65-F5344CB8AC3E}">
